--- a/Ed_DatVis_Group_Project.pptx
+++ b/Ed_DatVis_Group_Project.pptx
@@ -6,13 +6,15 @@
     <p:sldMasterId id="2147483674" r:id="rId2"/>
   </p:sldMasterIdLst>
   <p:notesMasterIdLst>
-    <p:notesMasterId r:id="rId7"/>
+    <p:notesMasterId r:id="rId9"/>
   </p:notesMasterIdLst>
   <p:sldIdLst>
     <p:sldId id="367" r:id="rId3"/>
     <p:sldId id="416" r:id="rId4"/>
     <p:sldId id="417" r:id="rId5"/>
-    <p:sldId id="415" r:id="rId6"/>
+    <p:sldId id="418" r:id="rId6"/>
+    <p:sldId id="415" r:id="rId7"/>
+    <p:sldId id="419" r:id="rId8"/>
   </p:sldIdLst>
   <p:sldSz cx="9144000" cy="6858000" type="screen4x3"/>
   <p:notesSz cx="9928225" cy="6797675"/>
@@ -119,7 +121,9 @@
             <p14:sldId id="367"/>
             <p14:sldId id="416"/>
             <p14:sldId id="417"/>
+            <p14:sldId id="418"/>
             <p14:sldId id="415"/>
+            <p14:sldId id="419"/>
           </p14:sldIdLst>
         </p14:section>
       </p14:sectionLst>
@@ -956,19 +960,50 @@
           </a:bodyPr>
           <a:lstStyle/>
           <a:p>
-            <a:pPr marL="0" indent="0">
+            <a:pPr marL="171450" indent="-171450">
               <a:lnSpc>
                 <a:spcPct val="100000"/>
               </a:lnSpc>
               <a:buFontTx/>
-              <a:buNone/>
+              <a:buChar char="-"/>
             </a:pPr>
             <a:r>
               <a:rPr lang="en-GB" sz="1200" b="0" strike="noStrike" spc="-1" dirty="0">
                 <a:latin typeface="Arial"/>
               </a:rPr>
-              <a:t>Even after the inclusion of women in space programs we can see that even they started to flying on missions on 1983 there isn’t an inclusion in the space walks.</a:t>
+              <a:t>Here we can see some space flights even there are no records of missions, but there was a lot of training so we assume they count that time. </a:t>
             </a:r>
+            <a:r>
+              <a:rPr lang="en-US" dirty="0">
+                <a:hlinkClick r:id="rId3"/>
+              </a:rPr>
+              <a:t>https://www.nasa.gov/centers/johnson/news/releases/1978_1980/index.html</a:t>
+            </a:r>
+            <a:endParaRPr lang="en-US" dirty="0"/>
+          </a:p>
+          <a:p>
+            <a:pPr marL="171450" indent="-171450">
+              <a:lnSpc>
+                <a:spcPct val="100000"/>
+              </a:lnSpc>
+              <a:buFontTx/>
+              <a:buChar char="-"/>
+            </a:pPr>
+            <a:endParaRPr lang="en-US" sz="1200" b="0" strike="noStrike" spc="-1" dirty="0">
+              <a:latin typeface="Arial"/>
+            </a:endParaRPr>
+          </a:p>
+          <a:p>
+            <a:pPr marL="171450" indent="-171450">
+              <a:lnSpc>
+                <a:spcPct val="100000"/>
+              </a:lnSpc>
+              <a:buFontTx/>
+              <a:buChar char="-"/>
+            </a:pPr>
+            <a:endParaRPr lang="en-GB" sz="1200" b="0" strike="noStrike" spc="-1" dirty="0">
+              <a:latin typeface="Arial"/>
+            </a:endParaRPr>
           </a:p>
         </p:txBody>
       </p:sp>
@@ -1021,7 +1056,281 @@
     </p:spTree>
     <p:extLst>
       <p:ext uri="{BB962C8B-B14F-4D97-AF65-F5344CB8AC3E}">
+        <p14:creationId xmlns:p14="http://schemas.microsoft.com/office/powerpoint/2010/main" val="4046540858"/>
+      </p:ext>
+    </p:extLst>
+  </p:cSld>
+  <p:clrMapOvr>
+    <a:masterClrMapping/>
+  </p:clrMapOvr>
+</p:notes>
+</file>
+
+<file path=ppt/notesSlides/notesSlide5.xml><?xml version="1.0" encoding="utf-8"?>
+<p:notes xmlns:a="http://schemas.openxmlformats.org/drawingml/2006/main" xmlns:r="http://schemas.openxmlformats.org/officeDocument/2006/relationships" xmlns:p="http://schemas.openxmlformats.org/presentationml/2006/main">
+  <p:cSld>
+    <p:spTree>
+      <p:nvGrpSpPr>
+        <p:cNvPr id="1" name=""/>
+        <p:cNvGrpSpPr/>
+        <p:nvPr/>
+      </p:nvGrpSpPr>
+      <p:grpSpPr>
+        <a:xfrm>
+          <a:off x="0" y="0"/>
+          <a:ext cx="0" cy="0"/>
+          <a:chOff x="0" y="0"/>
+          <a:chExt cx="0" cy="0"/>
+        </a:xfrm>
+      </p:grpSpPr>
+      <p:sp>
+        <p:nvSpPr>
+          <p:cNvPr id="385" name="PlaceHolder 1"/>
+          <p:cNvSpPr>
+            <a:spLocks noGrp="1" noRot="1" noChangeAspect="1"/>
+          </p:cNvSpPr>
+          <p:nvPr>
+            <p:ph type="sldImg"/>
+          </p:nvPr>
+        </p:nvSpPr>
+        <p:spPr>
+          <a:xfrm>
+            <a:off x="1370013" y="763588"/>
+            <a:ext cx="5030787" cy="3771900"/>
+          </a:xfrm>
+          <a:prstGeom prst="rect">
+            <a:avLst/>
+          </a:prstGeom>
+        </p:spPr>
+      </p:sp>
+      <p:sp>
+        <p:nvSpPr>
+          <p:cNvPr id="386" name="PlaceHolder 2"/>
+          <p:cNvSpPr>
+            <a:spLocks noGrp="1"/>
+          </p:cNvSpPr>
+          <p:nvPr>
+            <p:ph type="body"/>
+          </p:nvPr>
+        </p:nvSpPr>
+        <p:spPr>
+          <a:xfrm>
+            <a:off x="777240" y="4777560"/>
+            <a:ext cx="6217200" cy="4525560"/>
+          </a:xfrm>
+          <a:prstGeom prst="rect">
+            <a:avLst/>
+          </a:prstGeom>
+        </p:spPr>
+        <p:txBody>
+          <a:bodyPr lIns="0" tIns="0" rIns="0" bIns="0">
+            <a:noAutofit/>
+          </a:bodyPr>
+          <a:lstStyle/>
+          <a:p>
+            <a:pPr marL="0" indent="0">
+              <a:lnSpc>
+                <a:spcPct val="100000"/>
+              </a:lnSpc>
+              <a:buFontTx/>
+              <a:buNone/>
+            </a:pPr>
+            <a:r>
+              <a:rPr lang="en-GB" sz="1200" b="0" strike="noStrike" spc="-1" dirty="0">
+                <a:latin typeface="Arial"/>
+              </a:rPr>
+              <a:t>Even after the inclusion of women in space programs we can see that even they started to flying on missions on 1983 there isn’t an inclusion in the space walks.</a:t>
+            </a:r>
+          </a:p>
+        </p:txBody>
+      </p:sp>
+      <p:sp>
+        <p:nvSpPr>
+          <p:cNvPr id="387" name="TextShape 3"/>
+          <p:cNvSpPr txBox="1"/>
+          <p:nvPr/>
+        </p:nvSpPr>
+        <p:spPr>
+          <a:xfrm>
+            <a:off x="4399200" y="9555480"/>
+            <a:ext cx="3372480" cy="502200"/>
+          </a:xfrm>
+          <a:prstGeom prst="rect">
+            <a:avLst/>
+          </a:prstGeom>
+          <a:noFill/>
+          <a:ln>
+            <a:noFill/>
+          </a:ln>
+        </p:spPr>
+        <p:txBody>
+          <a:bodyPr lIns="0" tIns="0" rIns="0" bIns="0" anchor="b">
+            <a:noAutofit/>
+          </a:bodyPr>
+          <a:lstStyle/>
+          <a:p>
+            <a:pPr algn="r">
+              <a:lnSpc>
+                <a:spcPct val="100000"/>
+              </a:lnSpc>
+            </a:pPr>
+            <a:fld id="{BFC83E2E-A3AD-4C5A-82B5-9212AA00B498}" type="slidenum">
+              <a:rPr lang="en-GB" sz="1400" b="0" strike="noStrike" spc="-1">
+                <a:solidFill>
+                  <a:srgbClr val="000000"/>
+                </a:solidFill>
+                <a:latin typeface="Times New Roman"/>
+                <a:ea typeface="+mn-ea"/>
+              </a:rPr>
+              <a:t>5</a:t>
+            </a:fld>
+            <a:endParaRPr lang="en-GB" sz="1400" b="0" strike="noStrike" spc="-1" dirty="0">
+              <a:latin typeface="Times New Roman"/>
+            </a:endParaRPr>
+          </a:p>
+        </p:txBody>
+      </p:sp>
+    </p:spTree>
+    <p:extLst>
+      <p:ext uri="{BB962C8B-B14F-4D97-AF65-F5344CB8AC3E}">
         <p14:creationId xmlns:p14="http://schemas.microsoft.com/office/powerpoint/2010/main" val="3240332603"/>
+      </p:ext>
+    </p:extLst>
+  </p:cSld>
+  <p:clrMapOvr>
+    <a:masterClrMapping/>
+  </p:clrMapOvr>
+</p:notes>
+</file>
+
+<file path=ppt/notesSlides/notesSlide6.xml><?xml version="1.0" encoding="utf-8"?>
+<p:notes xmlns:a="http://schemas.openxmlformats.org/drawingml/2006/main" xmlns:r="http://schemas.openxmlformats.org/officeDocument/2006/relationships" xmlns:p="http://schemas.openxmlformats.org/presentationml/2006/main">
+  <p:cSld>
+    <p:spTree>
+      <p:nvGrpSpPr>
+        <p:cNvPr id="1" name=""/>
+        <p:cNvGrpSpPr/>
+        <p:nvPr/>
+      </p:nvGrpSpPr>
+      <p:grpSpPr>
+        <a:xfrm>
+          <a:off x="0" y="0"/>
+          <a:ext cx="0" cy="0"/>
+          <a:chOff x="0" y="0"/>
+          <a:chExt cx="0" cy="0"/>
+        </a:xfrm>
+      </p:grpSpPr>
+      <p:sp>
+        <p:nvSpPr>
+          <p:cNvPr id="385" name="PlaceHolder 1"/>
+          <p:cNvSpPr>
+            <a:spLocks noGrp="1" noRot="1" noChangeAspect="1"/>
+          </p:cNvSpPr>
+          <p:nvPr>
+            <p:ph type="sldImg"/>
+          </p:nvPr>
+        </p:nvSpPr>
+        <p:spPr>
+          <a:xfrm>
+            <a:off x="1370013" y="763588"/>
+            <a:ext cx="5030787" cy="3771900"/>
+          </a:xfrm>
+          <a:prstGeom prst="rect">
+            <a:avLst/>
+          </a:prstGeom>
+        </p:spPr>
+      </p:sp>
+      <p:sp>
+        <p:nvSpPr>
+          <p:cNvPr id="386" name="PlaceHolder 2"/>
+          <p:cNvSpPr>
+            <a:spLocks noGrp="1"/>
+          </p:cNvSpPr>
+          <p:nvPr>
+            <p:ph type="body"/>
+          </p:nvPr>
+        </p:nvSpPr>
+        <p:spPr>
+          <a:xfrm>
+            <a:off x="777240" y="4777560"/>
+            <a:ext cx="6217200" cy="4525560"/>
+          </a:xfrm>
+          <a:prstGeom prst="rect">
+            <a:avLst/>
+          </a:prstGeom>
+        </p:spPr>
+        <p:txBody>
+          <a:bodyPr lIns="0" tIns="0" rIns="0" bIns="0">
+            <a:noAutofit/>
+          </a:bodyPr>
+          <a:lstStyle/>
+          <a:p>
+            <a:pPr marL="0" indent="0">
+              <a:lnSpc>
+                <a:spcPct val="100000"/>
+              </a:lnSpc>
+              <a:buFontTx/>
+              <a:buNone/>
+            </a:pPr>
+            <a:r>
+              <a:rPr lang="en-GB" sz="1200" b="0" strike="noStrike" spc="-1" dirty="0">
+                <a:latin typeface="Arial"/>
+              </a:rPr>
+              <a:t>Even after the inclusion of women in space programs we can see that even they started to flying on missions on 1983 there isn’t an inclusion in the space walks.</a:t>
+            </a:r>
+          </a:p>
+        </p:txBody>
+      </p:sp>
+      <p:sp>
+        <p:nvSpPr>
+          <p:cNvPr id="387" name="TextShape 3"/>
+          <p:cNvSpPr txBox="1"/>
+          <p:nvPr/>
+        </p:nvSpPr>
+        <p:spPr>
+          <a:xfrm>
+            <a:off x="4399200" y="9555480"/>
+            <a:ext cx="3372480" cy="502200"/>
+          </a:xfrm>
+          <a:prstGeom prst="rect">
+            <a:avLst/>
+          </a:prstGeom>
+          <a:noFill/>
+          <a:ln>
+            <a:noFill/>
+          </a:ln>
+        </p:spPr>
+        <p:txBody>
+          <a:bodyPr lIns="0" tIns="0" rIns="0" bIns="0" anchor="b">
+            <a:noAutofit/>
+          </a:bodyPr>
+          <a:lstStyle/>
+          <a:p>
+            <a:pPr algn="r">
+              <a:lnSpc>
+                <a:spcPct val="100000"/>
+              </a:lnSpc>
+            </a:pPr>
+            <a:fld id="{BFC83E2E-A3AD-4C5A-82B5-9212AA00B498}" type="slidenum">
+              <a:rPr lang="en-GB" sz="1400" b="0" strike="noStrike" spc="-1">
+                <a:solidFill>
+                  <a:srgbClr val="000000"/>
+                </a:solidFill>
+                <a:latin typeface="Times New Roman"/>
+                <a:ea typeface="+mn-ea"/>
+              </a:rPr>
+              <a:t>6</a:t>
+            </a:fld>
+            <a:endParaRPr lang="en-GB" sz="1400" b="0" strike="noStrike" spc="-1" dirty="0">
+              <a:latin typeface="Times New Roman"/>
+            </a:endParaRPr>
+          </a:p>
+        </p:txBody>
+      </p:sp>
+    </p:spTree>
+    <p:extLst>
+      <p:ext uri="{BB962C8B-B14F-4D97-AF65-F5344CB8AC3E}">
+        <p14:creationId xmlns:p14="http://schemas.microsoft.com/office/powerpoint/2010/main" val="2306943301"/>
       </p:ext>
     </p:extLst>
   </p:cSld>
@@ -7707,6 +8016,187 @@
       </p:sp>
       <p:pic>
         <p:nvPicPr>
+          <p:cNvPr id="3" name="Picture 2">
+            <a:extLst>
+              <a:ext uri="{FF2B5EF4-FFF2-40B4-BE49-F238E27FC236}">
+                <a16:creationId xmlns:a16="http://schemas.microsoft.com/office/drawing/2014/main" id="{557AD372-BC86-0346-95C3-748B453FCDF3}"/>
+              </a:ext>
+            </a:extLst>
+          </p:cNvPr>
+          <p:cNvPicPr>
+            <a:picLocks noChangeAspect="1"/>
+          </p:cNvPicPr>
+          <p:nvPr/>
+        </p:nvPicPr>
+        <p:blipFill>
+          <a:blip r:embed="rId3"/>
+          <a:stretch>
+            <a:fillRect/>
+          </a:stretch>
+        </p:blipFill>
+        <p:spPr>
+          <a:xfrm>
+            <a:off x="745187" y="1507371"/>
+            <a:ext cx="7653625" cy="4363629"/>
+          </a:xfrm>
+          <a:prstGeom prst="rect">
+            <a:avLst/>
+          </a:prstGeom>
+        </p:spPr>
+      </p:pic>
+    </p:spTree>
+    <p:extLst>
+      <p:ext uri="{BB962C8B-B14F-4D97-AF65-F5344CB8AC3E}">
+        <p14:creationId xmlns:p14="http://schemas.microsoft.com/office/powerpoint/2010/main" val="1979216575"/>
+      </p:ext>
+    </p:extLst>
+  </p:cSld>
+  <p:clrMapOvr>
+    <a:masterClrMapping/>
+  </p:clrMapOvr>
+</p:sld>
+</file>
+
+<file path=ppt/slides/slide5.xml><?xml version="1.0" encoding="utf-8"?>
+<p:sld xmlns:a="http://schemas.openxmlformats.org/drawingml/2006/main" xmlns:r="http://schemas.openxmlformats.org/officeDocument/2006/relationships" xmlns:p="http://schemas.openxmlformats.org/presentationml/2006/main">
+  <p:cSld>
+    <p:spTree>
+      <p:nvGrpSpPr>
+        <p:cNvPr id="1" name=""/>
+        <p:cNvGrpSpPr/>
+        <p:nvPr/>
+      </p:nvGrpSpPr>
+      <p:grpSpPr>
+        <a:xfrm>
+          <a:off x="0" y="0"/>
+          <a:ext cx="0" cy="0"/>
+          <a:chOff x="0" y="0"/>
+          <a:chExt cx="0" cy="0"/>
+        </a:xfrm>
+      </p:grpSpPr>
+      <p:sp>
+        <p:nvSpPr>
+          <p:cNvPr id="303" name="CustomShape 2"/>
+          <p:cNvSpPr/>
+          <p:nvPr/>
+        </p:nvSpPr>
+        <p:spPr>
+          <a:xfrm>
+            <a:off x="6530040" y="6540840"/>
+            <a:ext cx="2133000" cy="239040"/>
+          </a:xfrm>
+          <a:prstGeom prst="rect">
+            <a:avLst/>
+          </a:prstGeom>
+          <a:noFill/>
+          <a:ln>
+            <a:noFill/>
+          </a:ln>
+        </p:spPr>
+        <p:style>
+          <a:lnRef idx="0">
+            <a:scrgbClr r="0" g="0" b="0"/>
+          </a:lnRef>
+          <a:fillRef idx="0">
+            <a:scrgbClr r="0" g="0" b="0"/>
+          </a:fillRef>
+          <a:effectRef idx="0">
+            <a:scrgbClr r="0" g="0" b="0"/>
+          </a:effectRef>
+          <a:fontRef idx="minor"/>
+        </p:style>
+        <p:txBody>
+          <a:bodyPr lIns="90000" tIns="0" rIns="0" bIns="45000">
+            <a:noAutofit/>
+          </a:bodyPr>
+          <a:lstStyle/>
+          <a:p>
+            <a:pPr algn="r">
+              <a:lnSpc>
+                <a:spcPct val="100000"/>
+              </a:lnSpc>
+            </a:pPr>
+            <a:fld id="{C6528C75-09FC-4BD4-976B-90174C547387}" type="slidenum">
+              <a:rPr lang="en-GB" sz="1200" b="1" strike="noStrike" spc="-1">
+                <a:solidFill>
+                  <a:srgbClr val="FFFFFF"/>
+                </a:solidFill>
+                <a:latin typeface="Arial Narrow"/>
+                <a:ea typeface="DejaVu Sans"/>
+              </a:rPr>
+              <a:t>5</a:t>
+            </a:fld>
+            <a:endParaRPr lang="en-GB" sz="1200" b="0" strike="noStrike" spc="-1" dirty="0">
+              <a:latin typeface="Arial"/>
+            </a:endParaRPr>
+          </a:p>
+        </p:txBody>
+      </p:sp>
+      <p:sp>
+        <p:nvSpPr>
+          <p:cNvPr id="6" name="CustomShape 2">
+            <a:extLst>
+              <a:ext uri="{FF2B5EF4-FFF2-40B4-BE49-F238E27FC236}">
+                <a16:creationId xmlns:a16="http://schemas.microsoft.com/office/drawing/2014/main" id="{EEC5A2CA-C9A7-8447-8A81-2A5DA45C4320}"/>
+              </a:ext>
+            </a:extLst>
+          </p:cNvPr>
+          <p:cNvSpPr/>
+          <p:nvPr/>
+        </p:nvSpPr>
+        <p:spPr>
+          <a:xfrm>
+            <a:off x="399060" y="1081851"/>
+            <a:ext cx="8345880" cy="425520"/>
+          </a:xfrm>
+          <a:prstGeom prst="rect">
+            <a:avLst/>
+          </a:prstGeom>
+          <a:noFill/>
+          <a:ln w="28440">
+            <a:noFill/>
+          </a:ln>
+        </p:spPr>
+        <p:style>
+          <a:lnRef idx="0">
+            <a:scrgbClr r="0" g="0" b="0"/>
+          </a:lnRef>
+          <a:fillRef idx="0">
+            <a:scrgbClr r="0" g="0" b="0"/>
+          </a:fillRef>
+          <a:effectRef idx="0">
+            <a:scrgbClr r="0" g="0" b="0"/>
+          </a:effectRef>
+          <a:fontRef idx="minor"/>
+        </p:style>
+        <p:txBody>
+          <a:bodyPr lIns="90000" tIns="45000" rIns="90000" bIns="45000">
+            <a:noAutofit/>
+          </a:bodyPr>
+          <a:lstStyle/>
+          <a:p>
+            <a:pPr algn="ctr">
+              <a:lnSpc>
+                <a:spcPct val="100000"/>
+              </a:lnSpc>
+              <a:spcBef>
+                <a:spcPts val="660"/>
+              </a:spcBef>
+            </a:pPr>
+            <a:r>
+              <a:rPr lang="en-US" sz="2000" b="1" spc="-1" dirty="0">
+                <a:solidFill>
+                  <a:srgbClr val="EF181E"/>
+                </a:solidFill>
+              </a:rPr>
+              <a:t>Women in space</a:t>
+            </a:r>
+            <a:endParaRPr lang="en-GB" sz="2000" spc="-1" dirty="0"/>
+          </a:p>
+        </p:txBody>
+      </p:sp>
+      <p:pic>
+        <p:nvPicPr>
           <p:cNvPr id="8" name="Picture 7">
             <a:extLst>
               <a:ext uri="{FF2B5EF4-FFF2-40B4-BE49-F238E27FC236}">
@@ -7739,6 +8229,187 @@
     <p:extLst>
       <p:ext uri="{BB962C8B-B14F-4D97-AF65-F5344CB8AC3E}">
         <p14:creationId xmlns:p14="http://schemas.microsoft.com/office/powerpoint/2010/main" val="2754099593"/>
+      </p:ext>
+    </p:extLst>
+  </p:cSld>
+  <p:clrMapOvr>
+    <a:masterClrMapping/>
+  </p:clrMapOvr>
+</p:sld>
+</file>
+
+<file path=ppt/slides/slide6.xml><?xml version="1.0" encoding="utf-8"?>
+<p:sld xmlns:a="http://schemas.openxmlformats.org/drawingml/2006/main" xmlns:r="http://schemas.openxmlformats.org/officeDocument/2006/relationships" xmlns:p="http://schemas.openxmlformats.org/presentationml/2006/main">
+  <p:cSld>
+    <p:spTree>
+      <p:nvGrpSpPr>
+        <p:cNvPr id="1" name=""/>
+        <p:cNvGrpSpPr/>
+        <p:nvPr/>
+      </p:nvGrpSpPr>
+      <p:grpSpPr>
+        <a:xfrm>
+          <a:off x="0" y="0"/>
+          <a:ext cx="0" cy="0"/>
+          <a:chOff x="0" y="0"/>
+          <a:chExt cx="0" cy="0"/>
+        </a:xfrm>
+      </p:grpSpPr>
+      <p:sp>
+        <p:nvSpPr>
+          <p:cNvPr id="303" name="CustomShape 2"/>
+          <p:cNvSpPr/>
+          <p:nvPr/>
+        </p:nvSpPr>
+        <p:spPr>
+          <a:xfrm>
+            <a:off x="6530040" y="6540840"/>
+            <a:ext cx="2133000" cy="239040"/>
+          </a:xfrm>
+          <a:prstGeom prst="rect">
+            <a:avLst/>
+          </a:prstGeom>
+          <a:noFill/>
+          <a:ln>
+            <a:noFill/>
+          </a:ln>
+        </p:spPr>
+        <p:style>
+          <a:lnRef idx="0">
+            <a:scrgbClr r="0" g="0" b="0"/>
+          </a:lnRef>
+          <a:fillRef idx="0">
+            <a:scrgbClr r="0" g="0" b="0"/>
+          </a:fillRef>
+          <a:effectRef idx="0">
+            <a:scrgbClr r="0" g="0" b="0"/>
+          </a:effectRef>
+          <a:fontRef idx="minor"/>
+        </p:style>
+        <p:txBody>
+          <a:bodyPr lIns="90000" tIns="0" rIns="0" bIns="45000">
+            <a:noAutofit/>
+          </a:bodyPr>
+          <a:lstStyle/>
+          <a:p>
+            <a:pPr algn="r">
+              <a:lnSpc>
+                <a:spcPct val="100000"/>
+              </a:lnSpc>
+            </a:pPr>
+            <a:fld id="{C6528C75-09FC-4BD4-976B-90174C547387}" type="slidenum">
+              <a:rPr lang="en-GB" sz="1200" b="1" strike="noStrike" spc="-1">
+                <a:solidFill>
+                  <a:srgbClr val="FFFFFF"/>
+                </a:solidFill>
+                <a:latin typeface="Arial Narrow"/>
+                <a:ea typeface="DejaVu Sans"/>
+              </a:rPr>
+              <a:t>6</a:t>
+            </a:fld>
+            <a:endParaRPr lang="en-GB" sz="1200" b="0" strike="noStrike" spc="-1" dirty="0">
+              <a:latin typeface="Arial"/>
+            </a:endParaRPr>
+          </a:p>
+        </p:txBody>
+      </p:sp>
+      <p:sp>
+        <p:nvSpPr>
+          <p:cNvPr id="6" name="CustomShape 2">
+            <a:extLst>
+              <a:ext uri="{FF2B5EF4-FFF2-40B4-BE49-F238E27FC236}">
+                <a16:creationId xmlns:a16="http://schemas.microsoft.com/office/drawing/2014/main" id="{EEC5A2CA-C9A7-8447-8A81-2A5DA45C4320}"/>
+              </a:ext>
+            </a:extLst>
+          </p:cNvPr>
+          <p:cNvSpPr/>
+          <p:nvPr/>
+        </p:nvSpPr>
+        <p:spPr>
+          <a:xfrm>
+            <a:off x="399060" y="1081851"/>
+            <a:ext cx="8345880" cy="425520"/>
+          </a:xfrm>
+          <a:prstGeom prst="rect">
+            <a:avLst/>
+          </a:prstGeom>
+          <a:noFill/>
+          <a:ln w="28440">
+            <a:noFill/>
+          </a:ln>
+        </p:spPr>
+        <p:style>
+          <a:lnRef idx="0">
+            <a:scrgbClr r="0" g="0" b="0"/>
+          </a:lnRef>
+          <a:fillRef idx="0">
+            <a:scrgbClr r="0" g="0" b="0"/>
+          </a:fillRef>
+          <a:effectRef idx="0">
+            <a:scrgbClr r="0" g="0" b="0"/>
+          </a:effectRef>
+          <a:fontRef idx="minor"/>
+        </p:style>
+        <p:txBody>
+          <a:bodyPr lIns="90000" tIns="45000" rIns="90000" bIns="45000">
+            <a:noAutofit/>
+          </a:bodyPr>
+          <a:lstStyle/>
+          <a:p>
+            <a:pPr algn="ctr">
+              <a:lnSpc>
+                <a:spcPct val="100000"/>
+              </a:lnSpc>
+              <a:spcBef>
+                <a:spcPts val="660"/>
+              </a:spcBef>
+            </a:pPr>
+            <a:r>
+              <a:rPr lang="en-US" sz="2000" b="1" spc="-1" dirty="0">
+                <a:solidFill>
+                  <a:srgbClr val="EF181E"/>
+                </a:solidFill>
+              </a:rPr>
+              <a:t>Women in space</a:t>
+            </a:r>
+            <a:endParaRPr lang="en-GB" sz="2000" spc="-1" dirty="0"/>
+          </a:p>
+        </p:txBody>
+      </p:sp>
+      <p:pic>
+        <p:nvPicPr>
+          <p:cNvPr id="2" name="Picture 1">
+            <a:extLst>
+              <a:ext uri="{FF2B5EF4-FFF2-40B4-BE49-F238E27FC236}">
+                <a16:creationId xmlns:a16="http://schemas.microsoft.com/office/drawing/2014/main" id="{55B2BF74-E752-894A-92CB-26F25E1BD31B}"/>
+              </a:ext>
+            </a:extLst>
+          </p:cNvPr>
+          <p:cNvPicPr>
+            <a:picLocks noChangeAspect="1"/>
+          </p:cNvPicPr>
+          <p:nvPr/>
+        </p:nvPicPr>
+        <p:blipFill>
+          <a:blip r:embed="rId3"/>
+          <a:stretch>
+            <a:fillRect/>
+          </a:stretch>
+        </p:blipFill>
+        <p:spPr>
+          <a:xfrm>
+            <a:off x="1489200" y="1665611"/>
+            <a:ext cx="6165600" cy="4677800"/>
+          </a:xfrm>
+          <a:prstGeom prst="rect">
+            <a:avLst/>
+          </a:prstGeom>
+        </p:spPr>
+      </p:pic>
+    </p:spTree>
+    <p:extLst>
+      <p:ext uri="{BB962C8B-B14F-4D97-AF65-F5344CB8AC3E}">
+        <p14:creationId xmlns:p14="http://schemas.microsoft.com/office/powerpoint/2010/main" val="4001332418"/>
       </p:ext>
     </p:extLst>
   </p:cSld>

--- a/Ed_DatVis_Group_Project.pptx
+++ b/Ed_DatVis_Group_Project.pptx
@@ -13,8 +13,8 @@
     <p:sldId id="416" r:id="rId4"/>
     <p:sldId id="417" r:id="rId5"/>
     <p:sldId id="418" r:id="rId6"/>
-    <p:sldId id="415" r:id="rId7"/>
-    <p:sldId id="419" r:id="rId8"/>
+    <p:sldId id="419" r:id="rId7"/>
+    <p:sldId id="420" r:id="rId8"/>
   </p:sldIdLst>
   <p:sldSz cx="9144000" cy="6858000" type="screen4x3"/>
   <p:notesSz cx="9928225" cy="6797675"/>
@@ -122,8 +122,8 @@
             <p14:sldId id="416"/>
             <p14:sldId id="417"/>
             <p14:sldId id="418"/>
-            <p14:sldId id="415"/>
             <p14:sldId id="419"/>
+            <p14:sldId id="420"/>
           </p14:sldIdLst>
         </p14:section>
       </p14:sectionLst>
@@ -1193,7 +1193,7 @@
     </p:spTree>
     <p:extLst>
       <p:ext uri="{BB962C8B-B14F-4D97-AF65-F5344CB8AC3E}">
-        <p14:creationId xmlns:p14="http://schemas.microsoft.com/office/powerpoint/2010/main" val="3240332603"/>
+        <p14:creationId xmlns:p14="http://schemas.microsoft.com/office/powerpoint/2010/main" val="2306943301"/>
       </p:ext>
     </p:extLst>
   </p:cSld>
@@ -1330,7 +1330,7 @@
     </p:spTree>
     <p:extLst>
       <p:ext uri="{BB962C8B-B14F-4D97-AF65-F5344CB8AC3E}">
-        <p14:creationId xmlns:p14="http://schemas.microsoft.com/office/powerpoint/2010/main" val="2306943301"/>
+        <p14:creationId xmlns:p14="http://schemas.microsoft.com/office/powerpoint/2010/main" val="2857047880"/>
       </p:ext>
     </p:extLst>
   </p:cSld>
@@ -8197,10 +8197,10 @@
       </p:sp>
       <p:pic>
         <p:nvPicPr>
-          <p:cNvPr id="8" name="Picture 7">
+          <p:cNvPr id="3" name="Picture 2">
             <a:extLst>
               <a:ext uri="{FF2B5EF4-FFF2-40B4-BE49-F238E27FC236}">
-                <a16:creationId xmlns:a16="http://schemas.microsoft.com/office/drawing/2014/main" id="{ADA37D00-C35A-9647-AC8A-0FC7FC2974A7}"/>
+                <a16:creationId xmlns:a16="http://schemas.microsoft.com/office/drawing/2014/main" id="{0FC289CA-4EC3-D541-91A7-0F5016E3F24F}"/>
               </a:ext>
             </a:extLst>
           </p:cNvPr>
@@ -8217,8 +8217,8 @@
         </p:blipFill>
         <p:spPr>
           <a:xfrm>
-            <a:off x="1581268" y="1631520"/>
-            <a:ext cx="5981464" cy="4785171"/>
+            <a:off x="1814439" y="1507371"/>
+            <a:ext cx="5515121" cy="4465531"/>
           </a:xfrm>
           <a:prstGeom prst="rect">
             <a:avLst/>
@@ -8228,7 +8228,7 @@
     </p:spTree>
     <p:extLst>
       <p:ext uri="{BB962C8B-B14F-4D97-AF65-F5344CB8AC3E}">
-        <p14:creationId xmlns:p14="http://schemas.microsoft.com/office/powerpoint/2010/main" val="2754099593"/>
+        <p14:creationId xmlns:p14="http://schemas.microsoft.com/office/powerpoint/2010/main" val="4001332418"/>
       </p:ext>
     </p:extLst>
   </p:cSld>
@@ -8378,10 +8378,10 @@
       </p:sp>
       <p:pic>
         <p:nvPicPr>
-          <p:cNvPr id="2" name="Picture 1">
+          <p:cNvPr id="3" name="Picture 2">
             <a:extLst>
               <a:ext uri="{FF2B5EF4-FFF2-40B4-BE49-F238E27FC236}">
-                <a16:creationId xmlns:a16="http://schemas.microsoft.com/office/drawing/2014/main" id="{55B2BF74-E752-894A-92CB-26F25E1BD31B}"/>
+                <a16:creationId xmlns:a16="http://schemas.microsoft.com/office/drawing/2014/main" id="{EA48B2FE-67C4-CE4C-AD98-858B98473D27}"/>
               </a:ext>
             </a:extLst>
           </p:cNvPr>
@@ -8398,8 +8398,8 @@
         </p:blipFill>
         <p:spPr>
           <a:xfrm>
-            <a:off x="1489200" y="1665611"/>
-            <a:ext cx="6165600" cy="4677800"/>
+            <a:off x="1757561" y="1573097"/>
+            <a:ext cx="6054028" cy="4713980"/>
           </a:xfrm>
           <a:prstGeom prst="rect">
             <a:avLst/>
@@ -8409,7 +8409,7 @@
     </p:spTree>
     <p:extLst>
       <p:ext uri="{BB962C8B-B14F-4D97-AF65-F5344CB8AC3E}">
-        <p14:creationId xmlns:p14="http://schemas.microsoft.com/office/powerpoint/2010/main" val="4001332418"/>
+        <p14:creationId xmlns:p14="http://schemas.microsoft.com/office/powerpoint/2010/main" val="3476336950"/>
       </p:ext>
     </p:extLst>
   </p:cSld>
